--- a/Vendor_Boards/Great_Cow_Basic_Demo_Board/18Fx6q20_ChipRange_Demonstrations/tutorials/Great Cow BASIC_Part18.pptx
+++ b/Vendor_Boards/Great_Cow_Basic_Demo_Board/18Fx6q20_ChipRange_Demonstrations/tutorials/Great Cow BASIC_Part18.pptx
@@ -210,7 +210,7 @@
             <a:fld id="{742E545A-AB39-44F0-B5A6-04A90C6C9399}" type="datetimeFigureOut">
               <a:rPr lang="en-GB" smtClean="0"/>
               <a:pPr/>
-              <a:t>04/02/2021</a:t>
+              <a:t>06/11/2024</a:t>
             </a:fld>
             <a:endParaRPr lang="en-GB"/>
           </a:p>
@@ -284,6 +284,11 @@
         </p:txBody>
       </p:sp>
     </p:spTree>
+    <p:extLst>
+      <p:ext uri="{BB962C8B-B14F-4D97-AF65-F5344CB8AC3E}">
+        <p14:creationId xmlns:p14="http://schemas.microsoft.com/office/powerpoint/2010/main" val="1264442972"/>
+      </p:ext>
+    </p:extLst>
   </p:cSld>
   <p:clrMap bg1="lt1" tx1="dk1" bg2="lt2" tx2="dk2" accent1="accent1" accent2="accent2" accent3="accent3" accent4="accent4" accent5="accent5" accent6="accent6" hlink="hlink" folHlink="folHlink"/>
 </p:handoutMaster>
@@ -372,7 +377,7 @@
             <a:fld id="{FF100B3C-2E11-428B-8555-A77018253716}" type="datetimeFigureOut">
               <a:rPr lang="en-GB" smtClean="0"/>
               <a:pPr/>
-              <a:t>04/02/2021</a:t>
+              <a:t>06/11/2024</a:t>
             </a:fld>
             <a:endParaRPr lang="en-GB"/>
           </a:p>
@@ -541,6 +546,11 @@
         </p:txBody>
       </p:sp>
     </p:spTree>
+    <p:extLst>
+      <p:ext uri="{BB962C8B-B14F-4D97-AF65-F5344CB8AC3E}">
+        <p14:creationId xmlns:p14="http://schemas.microsoft.com/office/powerpoint/2010/main" val="2616166133"/>
+      </p:ext>
+    </p:extLst>
   </p:cSld>
   <p:clrMap bg1="lt1" tx1="dk1" bg2="lt2" tx2="dk2" accent1="accent1" accent2="accent2" accent3="accent3" accent4="accent4" accent5="accent5" accent6="accent6" hlink="hlink" folHlink="folHlink"/>
   <p:notesStyle>
@@ -820,7 +830,7 @@
             <a:fld id="{C473AACB-D821-4991-9D88-46EB8D29E619}" type="datetimeFigureOut">
               <a:rPr lang="en-GB" smtClean="0"/>
               <a:pPr/>
-              <a:t>04/02/2021</a:t>
+              <a:t>06/11/2024</a:t>
             </a:fld>
             <a:endParaRPr lang="en-GB" dirty="0"/>
           </a:p>
@@ -988,7 +998,7 @@
             <a:fld id="{C473AACB-D821-4991-9D88-46EB8D29E619}" type="datetimeFigureOut">
               <a:rPr lang="en-GB" smtClean="0"/>
               <a:pPr/>
-              <a:t>04/02/2021</a:t>
+              <a:t>06/11/2024</a:t>
             </a:fld>
             <a:endParaRPr lang="en-GB" dirty="0"/>
           </a:p>
@@ -1166,7 +1176,7 @@
             <a:fld id="{C473AACB-D821-4991-9D88-46EB8D29E619}" type="datetimeFigureOut">
               <a:rPr lang="en-GB" smtClean="0"/>
               <a:pPr/>
-              <a:t>04/02/2021</a:t>
+              <a:t>06/11/2024</a:t>
             </a:fld>
             <a:endParaRPr lang="en-GB" dirty="0"/>
           </a:p>
@@ -1334,7 +1344,7 @@
             <a:fld id="{C473AACB-D821-4991-9D88-46EB8D29E619}" type="datetimeFigureOut">
               <a:rPr lang="en-GB" smtClean="0"/>
               <a:pPr/>
-              <a:t>04/02/2021</a:t>
+              <a:t>06/11/2024</a:t>
             </a:fld>
             <a:endParaRPr lang="en-GB" dirty="0"/>
           </a:p>
@@ -1578,7 +1588,7 @@
             <a:fld id="{C473AACB-D821-4991-9D88-46EB8D29E619}" type="datetimeFigureOut">
               <a:rPr lang="en-GB" smtClean="0"/>
               <a:pPr/>
-              <a:t>04/02/2021</a:t>
+              <a:t>06/11/2024</a:t>
             </a:fld>
             <a:endParaRPr lang="en-GB" dirty="0"/>
           </a:p>
@@ -1864,7 +1874,7 @@
             <a:fld id="{C473AACB-D821-4991-9D88-46EB8D29E619}" type="datetimeFigureOut">
               <a:rPr lang="en-GB" smtClean="0"/>
               <a:pPr/>
-              <a:t>04/02/2021</a:t>
+              <a:t>06/11/2024</a:t>
             </a:fld>
             <a:endParaRPr lang="en-GB" dirty="0"/>
           </a:p>
@@ -2289,7 +2299,7 @@
             <a:fld id="{C473AACB-D821-4991-9D88-46EB8D29E619}" type="datetimeFigureOut">
               <a:rPr lang="en-GB" smtClean="0"/>
               <a:pPr/>
-              <a:t>04/02/2021</a:t>
+              <a:t>06/11/2024</a:t>
             </a:fld>
             <a:endParaRPr lang="en-GB" dirty="0"/>
           </a:p>
@@ -2405,7 +2415,7 @@
             <a:fld id="{C473AACB-D821-4991-9D88-46EB8D29E619}" type="datetimeFigureOut">
               <a:rPr lang="en-GB" smtClean="0"/>
               <a:pPr/>
-              <a:t>04/02/2021</a:t>
+              <a:t>06/11/2024</a:t>
             </a:fld>
             <a:endParaRPr lang="en-GB" dirty="0"/>
           </a:p>
@@ -2498,7 +2508,7 @@
             <a:fld id="{C473AACB-D821-4991-9D88-46EB8D29E619}" type="datetimeFigureOut">
               <a:rPr lang="en-GB" smtClean="0"/>
               <a:pPr/>
-              <a:t>04/02/2021</a:t>
+              <a:t>06/11/2024</a:t>
             </a:fld>
             <a:endParaRPr lang="en-GB" dirty="0"/>
           </a:p>
@@ -2773,7 +2783,7 @@
             <a:fld id="{C473AACB-D821-4991-9D88-46EB8D29E619}" type="datetimeFigureOut">
               <a:rPr lang="en-GB" smtClean="0"/>
               <a:pPr/>
-              <a:t>04/02/2021</a:t>
+              <a:t>06/11/2024</a:t>
             </a:fld>
             <a:endParaRPr lang="en-GB" dirty="0"/>
           </a:p>
@@ -3024,7 +3034,7 @@
             <a:fld id="{C473AACB-D821-4991-9D88-46EB8D29E619}" type="datetimeFigureOut">
               <a:rPr lang="en-GB" smtClean="0"/>
               <a:pPr/>
-              <a:t>04/02/2021</a:t>
+              <a:t>06/11/2024</a:t>
             </a:fld>
             <a:endParaRPr lang="en-GB" dirty="0"/>
           </a:p>
@@ -3235,7 +3245,7 @@
             <a:fld id="{C473AACB-D821-4991-9D88-46EB8D29E619}" type="datetimeFigureOut">
               <a:rPr lang="en-GB" smtClean="0"/>
               <a:pPr/>
-              <a:t>04/02/2021</a:t>
+              <a:t>06/11/2024</a:t>
             </a:fld>
             <a:endParaRPr lang="en-GB" dirty="0"/>
           </a:p>
@@ -3626,18 +3636,18 @@
           <a:p>
             <a:r>
               <a:rPr lang="en-GB" dirty="0" smtClean="0"/>
-              <a:t>Great Cow BASIC</a:t>
+              <a:t>GCBASIC</a:t>
+            </a:r>
+            <a:r>
+              <a:rPr lang="en-GB" dirty="0" smtClean="0"/>
+              <a:t/>
             </a:r>
             <a:br>
               <a:rPr lang="en-GB" dirty="0" smtClean="0"/>
             </a:br>
             <a:r>
               <a:rPr lang="en-GB" dirty="0" smtClean="0"/>
-              <a:t>Part </a:t>
-            </a:r>
-            <a:r>
-              <a:rPr lang="en-GB" dirty="0" smtClean="0"/>
-              <a:t>18</a:t>
+              <a:t>Part 18</a:t>
             </a:r>
             <a:endParaRPr lang="en-GB" dirty="0"/>
           </a:p>
@@ -3667,7 +3677,11 @@
           <a:p>
             <a:r>
               <a:rPr lang="en-GB" dirty="0" smtClean="0"/>
-              <a:t>Great Cow BASIC  for the PIC18FxxQ41 chip Family</a:t>
+              <a:t>GCBASIC  </a:t>
+            </a:r>
+            <a:r>
+              <a:rPr lang="en-GB" dirty="0" smtClean="0"/>
+              <a:t>for the PIC18FxxQ41 chip Family</a:t>
             </a:r>
             <a:endParaRPr lang="en-GB" dirty="0"/>
           </a:p>
@@ -4265,7 +4279,15 @@
             </a:pPr>
             <a:r>
               <a:rPr lang="en-GB" sz="1100" dirty="0" smtClean="0"/>
-              <a:t>The Great Cow BASIC tool chain</a:t>
+              <a:t>The </a:t>
+            </a:r>
+            <a:r>
+              <a:rPr lang="en-GB" sz="1100" dirty="0" smtClean="0"/>
+              <a:t>GCBASIC </a:t>
+            </a:r>
+            <a:r>
+              <a:rPr lang="en-GB" sz="1100" dirty="0" smtClean="0"/>
+              <a:t>tool chain</a:t>
             </a:r>
           </a:p>
           <a:p>
@@ -4394,7 +4416,7 @@
           <a:p>
             <a:r>
               <a:rPr lang="en-GB" dirty="0" smtClean="0"/>
-              <a:t>Great Cow BASIC</a:t>
+              <a:t>GCBASIC</a:t>
             </a:r>
             <a:endParaRPr lang="en-GB" dirty="0"/>
           </a:p>
@@ -4424,7 +4446,11 @@
           <a:p>
             <a:r>
               <a:rPr lang="en-GB" dirty="0" smtClean="0"/>
-              <a:t>Great Cow BASIC  for the PIC18FxxQ41 chip Family</a:t>
+              <a:t>GCBASIC  </a:t>
+            </a:r>
+            <a:r>
+              <a:rPr lang="en-GB" dirty="0" smtClean="0"/>
+              <a:t>for the PIC18FxxQ41 chip Family</a:t>
             </a:r>
             <a:endParaRPr lang="en-GB" dirty="0"/>
           </a:p>
@@ -4704,7 +4730,7 @@
             <a:pPr algn="l"/>
             <a:r>
               <a:rPr lang="en-GB" dirty="0" smtClean="0"/>
-              <a:t>Great Cow BASIC </a:t>
+              <a:t>GCBASIC </a:t>
             </a:r>
             <a:r>
               <a:rPr lang="en-GB" dirty="0" smtClean="0"/>
@@ -5331,7 +5357,15 @@
             </a:pPr>
             <a:r>
               <a:rPr lang="en-GB" sz="1100" dirty="0" smtClean="0"/>
-              <a:t>The Great Cow BASIC tool chain</a:t>
+              <a:t>The </a:t>
+            </a:r>
+            <a:r>
+              <a:rPr lang="en-GB" sz="1100" dirty="0" smtClean="0"/>
+              <a:t>GCBASIC </a:t>
+            </a:r>
+            <a:r>
+              <a:rPr lang="en-GB" sz="1100" dirty="0" smtClean="0"/>
+              <a:t>tool chain</a:t>
             </a:r>
           </a:p>
           <a:p>
@@ -5692,7 +5726,7 @@
             <a:pPr algn="l"/>
             <a:r>
               <a:rPr lang="en-GB" dirty="0" smtClean="0"/>
-              <a:t>Great Cow BASIC </a:t>
+              <a:t>GCBASIC </a:t>
             </a:r>
             <a:r>
               <a:rPr lang="en-GB" dirty="0" smtClean="0"/>
@@ -5913,7 +5947,7 @@
             <a:pPr algn="ctr"/>
             <a:r>
               <a:rPr lang="en-GB" sz="1100" dirty="0" smtClean="0"/>
-              <a:t>Great Cow BASIC </a:t>
+              <a:t>GCBASIC </a:t>
             </a:r>
             <a:r>
               <a:rPr lang="en-GB" sz="1500" dirty="0" smtClean="0"/>
@@ -5946,7 +5980,11 @@
             <a:pPr algn="l"/>
             <a:r>
               <a:rPr lang="en-GB" dirty="0" smtClean="0"/>
-              <a:t>Great Cow BASIC Compiler</a:t>
+              <a:t>GCBASIC </a:t>
+            </a:r>
+            <a:r>
+              <a:rPr lang="en-GB" dirty="0" smtClean="0"/>
+              <a:t>Compiler</a:t>
             </a:r>
             <a:endParaRPr lang="en-GB" dirty="0"/>
           </a:p>
@@ -5961,7 +5999,7 @@
         <p:spPr>
           <a:xfrm>
             <a:off x="4139952" y="1491632"/>
-            <a:ext cx="3960440" cy="2440383"/>
+            <a:ext cx="3960440" cy="2178773"/>
           </a:xfrm>
           <a:prstGeom prst="rect">
             <a:avLst/>
@@ -5976,7 +6014,11 @@
           <a:p>
             <a:r>
               <a:rPr lang="en-GB" dirty="0" smtClean="0"/>
-              <a:t>Great Cow BASIC is an Open Source compiler for PIC, AVR and LGT microcontrollers</a:t>
+              <a:t>GCBASIC </a:t>
+            </a:r>
+            <a:r>
+              <a:rPr lang="en-GB" dirty="0" smtClean="0"/>
+              <a:t>is an Open Source compiler for PIC, AVR and LGT microcontrollers</a:t>
             </a:r>
           </a:p>
           <a:p>
@@ -5985,7 +6027,11 @@
           <a:p>
             <a:r>
               <a:rPr lang="en-GB" dirty="0" smtClean="0"/>
-              <a:t>Great Cow BASIC now supports the 18FxxQ41 chip family</a:t>
+              <a:t>GCBASIC </a:t>
+            </a:r>
+            <a:r>
+              <a:rPr lang="en-GB" dirty="0" smtClean="0"/>
+              <a:t>now supports the 18FxxQ41 chip family</a:t>
             </a:r>
           </a:p>
           <a:p>
@@ -5994,7 +6040,11 @@
           <a:p>
             <a:r>
               <a:rPr lang="en-GB" dirty="0" smtClean="0"/>
-              <a:t>Great Cow BASIC is a cross platform with common code translation </a:t>
+              <a:t>GCBASIC </a:t>
+            </a:r>
+            <a:r>
+              <a:rPr lang="en-GB" dirty="0" smtClean="0"/>
+              <a:t>is a cross platform with common code translation </a:t>
             </a:r>
             <a:endParaRPr lang="en-GB" dirty="0"/>
           </a:p>
@@ -6117,7 +6167,7 @@
             <a:pPr algn="ctr"/>
             <a:r>
               <a:rPr lang="en-GB" sz="1200" dirty="0" smtClean="0"/>
-              <a:t>Great Cow BASIC </a:t>
+              <a:t>GCBASIC </a:t>
             </a:r>
             <a:r>
               <a:rPr lang="en-GB" sz="1600" dirty="0" smtClean="0"/>
@@ -6939,7 +6989,7 @@
         <p:spPr>
           <a:xfrm>
             <a:off x="4208537" y="1948959"/>
-            <a:ext cx="2672270" cy="369332"/>
+            <a:ext cx="1807995" cy="353943"/>
           </a:xfrm>
           <a:prstGeom prst="rect">
             <a:avLst/>
@@ -6964,7 +7014,11 @@
           <a:p>
             <a:r>
               <a:rPr lang="en-GB" dirty="0" smtClean="0"/>
-              <a:t>Great Cow BASIC Compiler</a:t>
+              <a:t>GCBASIC </a:t>
+            </a:r>
+            <a:r>
+              <a:rPr lang="en-GB" dirty="0" smtClean="0"/>
+              <a:t>Compiler</a:t>
             </a:r>
             <a:endParaRPr lang="en-GB" dirty="0"/>
           </a:p>
@@ -7087,7 +7141,7 @@
             <a:pPr algn="ctr"/>
             <a:r>
               <a:rPr lang="en-GB" sz="1200" dirty="0" smtClean="0"/>
-              <a:t>Great Cow BASIC </a:t>
+              <a:t>GCBASIC </a:t>
             </a:r>
             <a:r>
               <a:rPr lang="en-GB" sz="1600" dirty="0" smtClean="0"/>
@@ -7809,13 +7863,8 @@
             <a:pPr algn="ctr"/>
             <a:r>
               <a:rPr lang="en-GB" sz="1200" dirty="0" smtClean="0"/>
-              <a:t>PIC-AS, </a:t>
-            </a:r>
-            <a:r>
-              <a:rPr lang="en-GB" sz="1200" dirty="0" smtClean="0"/>
-              <a:t> </a:t>
-            </a:r>
-            <a:endParaRPr lang="en-GB" sz="1200" dirty="0" smtClean="0"/>
+              <a:t>PIC-AS,  </a:t>
+            </a:r>
           </a:p>
           <a:p>
             <a:pPr algn="ctr"/>
@@ -7962,7 +8011,7 @@
         <p:spPr>
           <a:xfrm>
             <a:off x="3764310" y="1905000"/>
-            <a:ext cx="2672270" cy="369332"/>
+            <a:ext cx="1807995" cy="353943"/>
           </a:xfrm>
           <a:prstGeom prst="rect">
             <a:avLst/>
@@ -7987,7 +8036,11 @@
           <a:p>
             <a:r>
               <a:rPr lang="en-GB" dirty="0" smtClean="0"/>
-              <a:t>Great Cow BASIC Compiler</a:t>
+              <a:t>GCBASIC </a:t>
+            </a:r>
+            <a:r>
+              <a:rPr lang="en-GB" dirty="0" smtClean="0"/>
+              <a:t>Compiler</a:t>
             </a:r>
             <a:endParaRPr lang="en-GB" dirty="0"/>
           </a:p>
@@ -8104,7 +8157,15 @@
             </a:pPr>
             <a:r>
               <a:rPr lang="en-GB" sz="1000" dirty="0" smtClean="0"/>
-              <a:t>Create a Project in MPLAB-X using the Great Cow BASIC .S source</a:t>
+              <a:t>Create a Project in MPLAB-X using the </a:t>
+            </a:r>
+            <a:r>
+              <a:rPr lang="en-GB" sz="1000" dirty="0" smtClean="0"/>
+              <a:t>GCBASIC </a:t>
+            </a:r>
+            <a:r>
+              <a:rPr lang="en-GB" sz="1000" dirty="0" smtClean="0"/>
+              <a:t>.S source</a:t>
             </a:r>
           </a:p>
           <a:p>
@@ -8172,11 +8233,15 @@
             </a:pPr>
             <a:r>
               <a:rPr lang="en-GB" sz="1000" dirty="0" smtClean="0"/>
-              <a:t>Now Add the Great Cow BASIC source </a:t>
+              <a:t>Now Add the </a:t>
             </a:r>
             <a:r>
               <a:rPr lang="en-GB" sz="1000" dirty="0" smtClean="0"/>
-              <a:t>file</a:t>
+              <a:t>GCBASIC </a:t>
+            </a:r>
+            <a:r>
+              <a:rPr lang="en-GB" sz="1000" dirty="0" smtClean="0"/>
+              <a:t>source file</a:t>
             </a:r>
           </a:p>
           <a:p>
@@ -8244,15 +8309,11 @@
             </a:r>
             <a:r>
               <a:rPr lang="en-GB" sz="1000" dirty="0" smtClean="0"/>
-              <a:t>Build </a:t>
-            </a:r>
-            <a:r>
-              <a:rPr lang="en-GB" sz="1000" dirty="0" err="1" smtClean="0"/>
-              <a:t>ing</a:t>
+              <a:t>Building </a:t>
             </a:r>
             <a:r>
               <a:rPr lang="en-GB" sz="1000" dirty="0" smtClean="0"/>
-              <a:t> – check Execute this line after build</a:t>
+              <a:t>– check Execute this line after build</a:t>
             </a:r>
           </a:p>
           <a:p>
@@ -8260,16 +8321,16 @@
               <a:buNone/>
             </a:pPr>
             <a:r>
-              <a:rPr lang="en-GB" sz="1000" i="1" dirty="0" smtClean="0"/>
+              <a:rPr lang="en-GB" sz="1000" dirty="0" smtClean="0"/>
               <a:t>D</a:t>
             </a:r>
             <a:r>
-              <a:rPr lang="en-GB" sz="1000" i="1" dirty="0" smtClean="0"/>
-              <a:t>:\GCB@Syn38</a:t>
-            </a:r>
-            <a:r>
               <a:rPr lang="en-GB" sz="1000" dirty="0" smtClean="0"/>
-              <a:t>\PICKitPlus\pickitcommandline.exe -w -p${Device} -f${</a:t>
+              <a:t>:\GCBASIC\PICKitPlus\pickitcommandline.exe </a:t>
+            </a:r>
+            <a:r>
+              <a:rPr lang="en-GB" sz="1000" dirty="0" smtClean="0"/>
+              <a:t>-w -p${Device} -f${</a:t>
             </a:r>
             <a:r>
               <a:rPr lang="en-GB" sz="1000" dirty="0" err="1" smtClean="0"/>
@@ -8295,7 +8356,6 @@
               <a:rPr lang="en-GB" sz="1000" dirty="0" smtClean="0"/>
               <a:t> -a5</a:t>
             </a:r>
-            <a:endParaRPr lang="en-GB" sz="1000" dirty="0" smtClean="0"/>
           </a:p>
           <a:p>
             <a:pPr marL="893763" lvl="2" indent="-88900">
